--- a/docs/images/ナレッジグラフ推論チャレンジFIG.pptx
+++ b/docs/images/ナレッジグラフ推論チャレンジFIG.pptx
@@ -6,6 +6,7 @@
   </p:sldMasterIdLst>
   <p:sldIdLst>
     <p:sldId id="256" r:id="rId2"/>
+    <p:sldId id="257" r:id="rId3"/>
   </p:sldIdLst>
   <p:sldSz cx="12192000" cy="6858000"/>
   <p:notesSz cx="6858000" cy="9144000"/>
@@ -104,6 +105,11 @@
       </a:defRPr>
     </a:lvl9pPr>
   </p:defaultTextStyle>
+  <p:extLst>
+    <p:ext uri="{EFAFB233-063F-42B5-8137-9DF3F51BA10A}">
+      <p15:sldGuideLst xmlns:p15="http://schemas.microsoft.com/office/powerpoint/2012/main"/>
+    </p:ext>
+  </p:extLst>
 </p:presentation>
 </file>
 
@@ -254,7 +260,7 @@
           <a:p>
             <a:fld id="{76AF2857-9BA4-496B-B3CC-A208BB222D84}" type="datetimeFigureOut">
               <a:rPr kumimoji="1" lang="ja-JP" altLang="en-US" smtClean="0"/>
-              <a:t>2018/6/5</a:t>
+              <a:t>2019/10/28</a:t>
             </a:fld>
             <a:endParaRPr kumimoji="1" lang="ja-JP" altLang="en-US"/>
           </a:p>
@@ -484,7 +490,7 @@
           <a:p>
             <a:fld id="{76AF2857-9BA4-496B-B3CC-A208BB222D84}" type="datetimeFigureOut">
               <a:rPr kumimoji="1" lang="ja-JP" altLang="en-US" smtClean="0"/>
-              <a:t>2018/6/5</a:t>
+              <a:t>2019/10/28</a:t>
             </a:fld>
             <a:endParaRPr kumimoji="1" lang="ja-JP" altLang="en-US"/>
           </a:p>
@@ -724,7 +730,7 @@
           <a:p>
             <a:fld id="{76AF2857-9BA4-496B-B3CC-A208BB222D84}" type="datetimeFigureOut">
               <a:rPr kumimoji="1" lang="ja-JP" altLang="en-US" smtClean="0"/>
-              <a:t>2018/6/5</a:t>
+              <a:t>2019/10/28</a:t>
             </a:fld>
             <a:endParaRPr kumimoji="1" lang="ja-JP" altLang="en-US"/>
           </a:p>
@@ -954,7 +960,7 @@
           <a:p>
             <a:fld id="{76AF2857-9BA4-496B-B3CC-A208BB222D84}" type="datetimeFigureOut">
               <a:rPr kumimoji="1" lang="ja-JP" altLang="en-US" smtClean="0"/>
-              <a:t>2018/6/5</a:t>
+              <a:t>2019/10/28</a:t>
             </a:fld>
             <a:endParaRPr kumimoji="1" lang="ja-JP" altLang="en-US"/>
           </a:p>
@@ -1229,7 +1235,7 @@
           <a:p>
             <a:fld id="{76AF2857-9BA4-496B-B3CC-A208BB222D84}" type="datetimeFigureOut">
               <a:rPr kumimoji="1" lang="ja-JP" altLang="en-US" smtClean="0"/>
-              <a:t>2018/6/5</a:t>
+              <a:t>2019/10/28</a:t>
             </a:fld>
             <a:endParaRPr kumimoji="1" lang="ja-JP" altLang="en-US"/>
           </a:p>
@@ -1558,7 +1564,7 @@
           <a:p>
             <a:fld id="{76AF2857-9BA4-496B-B3CC-A208BB222D84}" type="datetimeFigureOut">
               <a:rPr kumimoji="1" lang="ja-JP" altLang="en-US" smtClean="0"/>
-              <a:t>2018/6/5</a:t>
+              <a:t>2019/10/28</a:t>
             </a:fld>
             <a:endParaRPr kumimoji="1" lang="ja-JP" altLang="en-US"/>
           </a:p>
@@ -2034,7 +2040,7 @@
           <a:p>
             <a:fld id="{76AF2857-9BA4-496B-B3CC-A208BB222D84}" type="datetimeFigureOut">
               <a:rPr kumimoji="1" lang="ja-JP" altLang="en-US" smtClean="0"/>
-              <a:t>2018/6/5</a:t>
+              <a:t>2019/10/28</a:t>
             </a:fld>
             <a:endParaRPr kumimoji="1" lang="ja-JP" altLang="en-US"/>
           </a:p>
@@ -2175,7 +2181,7 @@
           <a:p>
             <a:fld id="{76AF2857-9BA4-496B-B3CC-A208BB222D84}" type="datetimeFigureOut">
               <a:rPr kumimoji="1" lang="ja-JP" altLang="en-US" smtClean="0"/>
-              <a:t>2018/6/5</a:t>
+              <a:t>2019/10/28</a:t>
             </a:fld>
             <a:endParaRPr kumimoji="1" lang="ja-JP" altLang="en-US"/>
           </a:p>
@@ -2288,7 +2294,7 @@
           <a:p>
             <a:fld id="{76AF2857-9BA4-496B-B3CC-A208BB222D84}" type="datetimeFigureOut">
               <a:rPr kumimoji="1" lang="ja-JP" altLang="en-US" smtClean="0"/>
-              <a:t>2018/6/5</a:t>
+              <a:t>2019/10/28</a:t>
             </a:fld>
             <a:endParaRPr kumimoji="1" lang="ja-JP" altLang="en-US"/>
           </a:p>
@@ -2631,7 +2637,7 @@
           <a:p>
             <a:fld id="{76AF2857-9BA4-496B-B3CC-A208BB222D84}" type="datetimeFigureOut">
               <a:rPr kumimoji="1" lang="ja-JP" altLang="en-US" smtClean="0"/>
-              <a:t>2018/6/5</a:t>
+              <a:t>2019/10/28</a:t>
             </a:fld>
             <a:endParaRPr kumimoji="1" lang="ja-JP" altLang="en-US"/>
           </a:p>
@@ -2919,7 +2925,7 @@
           <a:p>
             <a:fld id="{76AF2857-9BA4-496B-B3CC-A208BB222D84}" type="datetimeFigureOut">
               <a:rPr kumimoji="1" lang="ja-JP" altLang="en-US" smtClean="0"/>
-              <a:t>2018/6/5</a:t>
+              <a:t>2019/10/28</a:t>
             </a:fld>
             <a:endParaRPr kumimoji="1" lang="ja-JP" altLang="en-US"/>
           </a:p>
@@ -3192,7 +3198,7 @@
           <a:p>
             <a:fld id="{76AF2857-9BA4-496B-B3CC-A208BB222D84}" type="datetimeFigureOut">
               <a:rPr kumimoji="1" lang="ja-JP" altLang="en-US" smtClean="0"/>
-              <a:t>2018/6/5</a:t>
+              <a:t>2019/10/28</a:t>
             </a:fld>
             <a:endParaRPr kumimoji="1" lang="ja-JP" altLang="en-US"/>
           </a:p>
@@ -3953,10 +3959,423 @@
           </p:spPr>
         </p:pic>
       </p:grpSp>
+      <p:sp>
+        <p:nvSpPr>
+          <p:cNvPr id="3" name="テキスト ボックス 2">
+            <a:extLst>
+              <a:ext uri="{FF2B5EF4-FFF2-40B4-BE49-F238E27FC236}">
+                <a16:creationId xmlns:a16="http://schemas.microsoft.com/office/drawing/2014/main" id="{73C6E473-8FAE-4B42-9F5D-3D12948A41B9}"/>
+              </a:ext>
+            </a:extLst>
+          </p:cNvPr>
+          <p:cNvSpPr txBox="1"/>
+          <p:nvPr/>
+        </p:nvSpPr>
+        <p:spPr>
+          <a:xfrm>
+            <a:off x="2471853" y="1069848"/>
+            <a:ext cx="1569660" cy="369332"/>
+          </a:xfrm>
+          <a:prstGeom prst="rect">
+            <a:avLst/>
+          </a:prstGeom>
+          <a:noFill/>
+        </p:spPr>
+        <p:txBody>
+          <a:bodyPr wrap="none" rtlCol="0">
+            <a:spAutoFit/>
+          </a:bodyPr>
+          <a:lstStyle/>
+          <a:p>
+            <a:r>
+              <a:rPr kumimoji="1" lang="ja-JP" altLang="en-US" dirty="0">
+                <a:highlight>
+                  <a:srgbClr val="FFFF00"/>
+                </a:highlight>
+              </a:rPr>
+              <a:t>旧バージョン</a:t>
+            </a:r>
+          </a:p>
+        </p:txBody>
+      </p:sp>
     </p:spTree>
     <p:extLst>
       <p:ext uri="{BB962C8B-B14F-4D97-AF65-F5344CB8AC3E}">
         <p14:creationId xmlns:p14="http://schemas.microsoft.com/office/powerpoint/2010/main" val="39451697"/>
+      </p:ext>
+    </p:extLst>
+  </p:cSld>
+  <p:clrMapOvr>
+    <a:masterClrMapping/>
+  </p:clrMapOvr>
+</p:sld>
+</file>
+
+<file path=ppt/slides/slide2.xml><?xml version="1.0" encoding="utf-8"?>
+<p:sld xmlns:a="http://schemas.openxmlformats.org/drawingml/2006/main" xmlns:r="http://schemas.openxmlformats.org/officeDocument/2006/relationships" xmlns:p="http://schemas.openxmlformats.org/presentationml/2006/main">
+  <p:cSld>
+    <p:spTree>
+      <p:nvGrpSpPr>
+        <p:cNvPr id="1" name=""/>
+        <p:cNvGrpSpPr/>
+        <p:nvPr/>
+      </p:nvGrpSpPr>
+      <p:grpSpPr>
+        <a:xfrm>
+          <a:off x="0" y="0"/>
+          <a:ext cx="0" cy="0"/>
+          <a:chOff x="0" y="0"/>
+          <a:chExt cx="0" cy="0"/>
+        </a:xfrm>
+      </p:grpSpPr>
+      <p:sp>
+        <p:nvSpPr>
+          <p:cNvPr id="7" name="正方形/長方形 6">
+            <a:extLst>
+              <a:ext uri="{FF2B5EF4-FFF2-40B4-BE49-F238E27FC236}">
+                <a16:creationId xmlns:a16="http://schemas.microsoft.com/office/drawing/2014/main" id="{63155CE5-B6F6-4AA8-9E67-A3A63AEB9F93}"/>
+              </a:ext>
+            </a:extLst>
+          </p:cNvPr>
+          <p:cNvSpPr/>
+          <p:nvPr/>
+        </p:nvSpPr>
+        <p:spPr>
+          <a:xfrm>
+            <a:off x="925551" y="1818162"/>
+            <a:ext cx="10690302" cy="1672682"/>
+          </a:xfrm>
+          <a:prstGeom prst="rect">
+            <a:avLst/>
+          </a:prstGeom>
+          <a:solidFill>
+            <a:schemeClr val="bg2"/>
+          </a:solidFill>
+          <a:ln>
+            <a:noFill/>
+          </a:ln>
+        </p:spPr>
+        <p:style>
+          <a:lnRef idx="2">
+            <a:schemeClr val="accent1">
+              <a:shade val="50000"/>
+            </a:schemeClr>
+          </a:lnRef>
+          <a:fillRef idx="1">
+            <a:schemeClr val="accent1"/>
+          </a:fillRef>
+          <a:effectRef idx="0">
+            <a:schemeClr val="accent1"/>
+          </a:effectRef>
+          <a:fontRef idx="minor">
+            <a:schemeClr val="lt1"/>
+          </a:fontRef>
+        </p:style>
+        <p:txBody>
+          <a:bodyPr rtlCol="0" anchor="ctr"/>
+          <a:lstStyle/>
+          <a:p>
+            <a:pPr algn="ctr"/>
+            <a:endParaRPr kumimoji="1" lang="ja-JP" altLang="en-US" dirty="0"/>
+          </a:p>
+        </p:txBody>
+      </p:sp>
+      <p:sp>
+        <p:nvSpPr>
+          <p:cNvPr id="2" name="タイトル 1">
+            <a:extLst>
+              <a:ext uri="{FF2B5EF4-FFF2-40B4-BE49-F238E27FC236}">
+                <a16:creationId xmlns:a16="http://schemas.microsoft.com/office/drawing/2014/main" id="{D2CF6507-08DF-44EF-80BE-ED8496304D7D}"/>
+              </a:ext>
+            </a:extLst>
+          </p:cNvPr>
+          <p:cNvSpPr>
+            <a:spLocks noGrp="1"/>
+          </p:cNvSpPr>
+          <p:nvPr>
+            <p:ph type="ctrTitle"/>
+          </p:nvPr>
+        </p:nvSpPr>
+        <p:spPr>
+          <a:xfrm>
+            <a:off x="2471853" y="2506120"/>
+            <a:ext cx="9144000" cy="922880"/>
+          </a:xfrm>
+        </p:spPr>
+        <p:txBody>
+          <a:bodyPr>
+            <a:normAutofit/>
+          </a:bodyPr>
+          <a:lstStyle/>
+          <a:p>
+            <a:r>
+              <a:rPr kumimoji="1" lang="ja-JP" altLang="en-US" sz="4800" b="1" dirty="0">
+                <a:solidFill>
+                  <a:schemeClr val="bg1"/>
+                </a:solidFill>
+                <a:latin typeface="メイリオ" panose="020B0604030504040204" pitchFamily="50" charset="-128"/>
+                <a:ea typeface="メイリオ" panose="020B0604030504040204" pitchFamily="50" charset="-128"/>
+              </a:rPr>
+              <a:t>ナレッジグラフ推論チャレンジ</a:t>
+            </a:r>
+          </a:p>
+        </p:txBody>
+      </p:sp>
+      <p:sp>
+        <p:nvSpPr>
+          <p:cNvPr id="4" name="正方形/長方形 3">
+            <a:extLst>
+              <a:ext uri="{FF2B5EF4-FFF2-40B4-BE49-F238E27FC236}">
+                <a16:creationId xmlns:a16="http://schemas.microsoft.com/office/drawing/2014/main" id="{3A4642D0-CE2E-41DC-9818-990FC9274114}"/>
+              </a:ext>
+            </a:extLst>
+          </p:cNvPr>
+          <p:cNvSpPr/>
+          <p:nvPr/>
+        </p:nvSpPr>
+        <p:spPr>
+          <a:xfrm>
+            <a:off x="2692020" y="1985134"/>
+            <a:ext cx="8499250" cy="646331"/>
+          </a:xfrm>
+          <a:prstGeom prst="rect">
+            <a:avLst/>
+          </a:prstGeom>
+        </p:spPr>
+        <p:txBody>
+          <a:bodyPr wrap="none">
+            <a:spAutoFit/>
+          </a:bodyPr>
+          <a:lstStyle/>
+          <a:p>
+            <a:r>
+              <a:rPr lang="en-US" altLang="ja-JP" sz="3600" b="1" i="1" dirty="0">
+                <a:solidFill>
+                  <a:schemeClr val="bg1"/>
+                </a:solidFill>
+                <a:latin typeface="CMR12"/>
+              </a:rPr>
+              <a:t>KGC: </a:t>
+            </a:r>
+            <a:r>
+              <a:rPr lang="en-US" altLang="ja-JP" sz="3600" i="1" dirty="0">
+                <a:solidFill>
+                  <a:schemeClr val="bg1"/>
+                </a:solidFill>
+                <a:latin typeface="CMR12"/>
+              </a:rPr>
+              <a:t>Knowledge Graph Reasoning Challenge</a:t>
+            </a:r>
+            <a:endParaRPr lang="ja-JP" altLang="en-US" sz="3600" i="1" dirty="0">
+              <a:solidFill>
+                <a:schemeClr val="bg1"/>
+              </a:solidFill>
+            </a:endParaRPr>
+          </a:p>
+        </p:txBody>
+      </p:sp>
+      <p:pic>
+        <p:nvPicPr>
+          <p:cNvPr id="6" name="図 5" descr="屋外にある物体 が含まれている画像&#10;&#10;高い精度で生成された説明">
+            <a:extLst>
+              <a:ext uri="{FF2B5EF4-FFF2-40B4-BE49-F238E27FC236}">
+                <a16:creationId xmlns:a16="http://schemas.microsoft.com/office/drawing/2014/main" id="{E21D6EDC-125C-411C-B466-E77AFF293081}"/>
+              </a:ext>
+            </a:extLst>
+          </p:cNvPr>
+          <p:cNvPicPr>
+            <a:picLocks noChangeAspect="1"/>
+          </p:cNvPicPr>
+          <p:nvPr/>
+        </p:nvPicPr>
+        <p:blipFill>
+          <a:blip r:embed="rId2">
+            <a:lum bright="70000" contrast="-70000"/>
+            <a:extLst>
+              <a:ext uri="{28A0092B-C50C-407E-A947-70E740481C1C}">
+                <a14:useLocalDpi xmlns:a14="http://schemas.microsoft.com/office/drawing/2010/main" val="0"/>
+              </a:ext>
+            </a:extLst>
+          </a:blip>
+          <a:stretch>
+            <a:fillRect/>
+          </a:stretch>
+        </p:blipFill>
+        <p:spPr>
+          <a:xfrm>
+            <a:off x="1140070" y="2019364"/>
+            <a:ext cx="1497197" cy="1270278"/>
+          </a:xfrm>
+          <a:prstGeom prst="rect">
+            <a:avLst/>
+          </a:prstGeom>
+        </p:spPr>
+      </p:pic>
+      <p:grpSp>
+        <p:nvGrpSpPr>
+          <p:cNvPr id="11" name="グループ化 10">
+            <a:extLst>
+              <a:ext uri="{FF2B5EF4-FFF2-40B4-BE49-F238E27FC236}">
+                <a16:creationId xmlns:a16="http://schemas.microsoft.com/office/drawing/2014/main" id="{EE166CA4-B189-4644-B1E7-94E19B7487DE}"/>
+              </a:ext>
+            </a:extLst>
+          </p:cNvPr>
+          <p:cNvGrpSpPr/>
+          <p:nvPr/>
+        </p:nvGrpSpPr>
+        <p:grpSpPr>
+          <a:xfrm>
+            <a:off x="1140070" y="3914891"/>
+            <a:ext cx="10475783" cy="1443866"/>
+            <a:chOff x="1140070" y="3914891"/>
+            <a:chExt cx="10475783" cy="1443866"/>
+          </a:xfrm>
+        </p:grpSpPr>
+        <p:sp>
+          <p:nvSpPr>
+            <p:cNvPr id="8" name="タイトル 1">
+              <a:extLst>
+                <a:ext uri="{FF2B5EF4-FFF2-40B4-BE49-F238E27FC236}">
+                  <a16:creationId xmlns:a16="http://schemas.microsoft.com/office/drawing/2014/main" id="{6C47E726-2363-4AEF-B092-0BBB722A71A3}"/>
+                </a:ext>
+              </a:extLst>
+            </p:cNvPr>
+            <p:cNvSpPr txBox="1">
+              <a:spLocks/>
+            </p:cNvSpPr>
+            <p:nvPr/>
+          </p:nvSpPr>
+          <p:spPr>
+            <a:xfrm>
+              <a:off x="2471853" y="4435877"/>
+              <a:ext cx="9144000" cy="922880"/>
+            </a:xfrm>
+            <a:prstGeom prst="rect">
+              <a:avLst/>
+            </a:prstGeom>
+          </p:spPr>
+          <p:txBody>
+            <a:bodyPr vert="horz" lIns="91440" tIns="45720" rIns="91440" bIns="45720" rtlCol="0" anchor="b">
+              <a:normAutofit/>
+            </a:bodyPr>
+            <a:lstStyle>
+              <a:lvl1pPr algn="ctr" defTabSz="914400" rtl="0" eaLnBrk="1" latinLnBrk="0" hangingPunct="1">
+                <a:lnSpc>
+                  <a:spcPct val="90000"/>
+                </a:lnSpc>
+                <a:spcBef>
+                  <a:spcPct val="0"/>
+                </a:spcBef>
+                <a:buNone/>
+                <a:defRPr kumimoji="1" sz="6000" kern="1200">
+                  <a:solidFill>
+                    <a:schemeClr val="tx1"/>
+                  </a:solidFill>
+                  <a:latin typeface="+mj-lt"/>
+                  <a:ea typeface="+mj-ea"/>
+                  <a:cs typeface="+mj-cs"/>
+                </a:defRPr>
+              </a:lvl1pPr>
+            </a:lstStyle>
+            <a:p>
+              <a:r>
+                <a:rPr lang="ja-JP" altLang="en-US" sz="4800" b="1">
+                  <a:latin typeface="メイリオ" panose="020B0604030504040204" pitchFamily="50" charset="-128"/>
+                  <a:ea typeface="メイリオ" panose="020B0604030504040204" pitchFamily="50" charset="-128"/>
+                </a:rPr>
+                <a:t>ナレッジグラフ推論チャレンジ</a:t>
+              </a:r>
+              <a:endParaRPr lang="ja-JP" altLang="en-US" sz="4800" b="1" dirty="0">
+                <a:latin typeface="メイリオ" panose="020B0604030504040204" pitchFamily="50" charset="-128"/>
+                <a:ea typeface="メイリオ" panose="020B0604030504040204" pitchFamily="50" charset="-128"/>
+              </a:endParaRPr>
+            </a:p>
+          </p:txBody>
+        </p:sp>
+        <p:sp>
+          <p:nvSpPr>
+            <p:cNvPr id="9" name="正方形/長方形 8">
+              <a:extLst>
+                <a:ext uri="{FF2B5EF4-FFF2-40B4-BE49-F238E27FC236}">
+                  <a16:creationId xmlns:a16="http://schemas.microsoft.com/office/drawing/2014/main" id="{B0009588-89B3-43A3-8CAC-6325B8B12180}"/>
+                </a:ext>
+              </a:extLst>
+            </p:cNvPr>
+            <p:cNvSpPr/>
+            <p:nvPr/>
+          </p:nvSpPr>
+          <p:spPr>
+            <a:xfrm>
+              <a:off x="2692020" y="3914891"/>
+              <a:ext cx="8499250" cy="646331"/>
+            </a:xfrm>
+            <a:prstGeom prst="rect">
+              <a:avLst/>
+            </a:prstGeom>
+          </p:spPr>
+          <p:txBody>
+            <a:bodyPr wrap="none">
+              <a:spAutoFit/>
+            </a:bodyPr>
+            <a:lstStyle/>
+            <a:p>
+              <a:r>
+                <a:rPr lang="en-US" altLang="ja-JP" sz="3600" b="1" i="1" dirty="0">
+                  <a:latin typeface="CMR12"/>
+                </a:rPr>
+                <a:t>KGC: </a:t>
+              </a:r>
+              <a:r>
+                <a:rPr lang="en-US" altLang="ja-JP" sz="3600" i="1" dirty="0">
+                  <a:latin typeface="CMR12"/>
+                </a:rPr>
+                <a:t>Knowledge Graph Reasoning Challenge</a:t>
+              </a:r>
+              <a:endParaRPr lang="ja-JP" altLang="en-US" sz="3600" i="1" dirty="0"/>
+            </a:p>
+          </p:txBody>
+        </p:sp>
+        <p:pic>
+          <p:nvPicPr>
+            <p:cNvPr id="10" name="図 9" descr="屋外にある物体 が含まれている画像&#10;&#10;高い精度で生成された説明">
+              <a:extLst>
+                <a:ext uri="{FF2B5EF4-FFF2-40B4-BE49-F238E27FC236}">
+                  <a16:creationId xmlns:a16="http://schemas.microsoft.com/office/drawing/2014/main" id="{BB5323B1-03FB-43AF-A30C-2A57F78B0BD2}"/>
+                </a:ext>
+              </a:extLst>
+            </p:cNvPr>
+            <p:cNvPicPr>
+              <a:picLocks noChangeAspect="1"/>
+            </p:cNvPicPr>
+            <p:nvPr/>
+          </p:nvPicPr>
+          <p:blipFill>
+            <a:blip r:embed="rId2">
+              <a:extLst>
+                <a:ext uri="{28A0092B-C50C-407E-A947-70E740481C1C}">
+                  <a14:useLocalDpi xmlns:a14="http://schemas.microsoft.com/office/drawing/2010/main" val="0"/>
+                </a:ext>
+              </a:extLst>
+            </a:blip>
+            <a:stretch>
+              <a:fillRect/>
+            </a:stretch>
+          </p:blipFill>
+          <p:spPr>
+            <a:xfrm>
+              <a:off x="1140070" y="3949121"/>
+              <a:ext cx="1497197" cy="1270278"/>
+            </a:xfrm>
+            <a:prstGeom prst="rect">
+              <a:avLst/>
+            </a:prstGeom>
+          </p:spPr>
+        </p:pic>
+      </p:grpSp>
+    </p:spTree>
+    <p:extLst>
+      <p:ext uri="{BB962C8B-B14F-4D97-AF65-F5344CB8AC3E}">
+        <p14:creationId xmlns:p14="http://schemas.microsoft.com/office/powerpoint/2010/main" val="3654999906"/>
       </p:ext>
     </p:extLst>
   </p:cSld>

--- a/docs/images/ナレッジグラフ推論チャレンジFIG.pptx
+++ b/docs/images/ナレッジグラフ推論チャレンジFIG.pptx
@@ -5,8 +5,10 @@
     <p:sldMasterId id="2147483648" r:id="rId1"/>
   </p:sldMasterIdLst>
   <p:sldIdLst>
-    <p:sldId id="256" r:id="rId2"/>
-    <p:sldId id="257" r:id="rId3"/>
+    <p:sldId id="257" r:id="rId2"/>
+    <p:sldId id="258" r:id="rId3"/>
+    <p:sldId id="259" r:id="rId4"/>
+    <p:sldId id="256" r:id="rId5"/>
   </p:sldIdLst>
   <p:sldSz cx="12192000" cy="6858000"/>
   <p:notesSz cx="6858000" cy="9144000"/>
@@ -3629,6 +3631,697 @@
         </p:nvSpPr>
         <p:spPr>
           <a:xfrm>
+            <a:off x="836775" y="442123"/>
+            <a:ext cx="10690302" cy="1672682"/>
+          </a:xfrm>
+          <a:prstGeom prst="rect">
+            <a:avLst/>
+          </a:prstGeom>
+          <a:solidFill>
+            <a:schemeClr val="bg2"/>
+          </a:solidFill>
+          <a:ln>
+            <a:noFill/>
+          </a:ln>
+        </p:spPr>
+        <p:style>
+          <a:lnRef idx="2">
+            <a:schemeClr val="accent1">
+              <a:shade val="50000"/>
+            </a:schemeClr>
+          </a:lnRef>
+          <a:fillRef idx="1">
+            <a:schemeClr val="accent1"/>
+          </a:fillRef>
+          <a:effectRef idx="0">
+            <a:schemeClr val="accent1"/>
+          </a:effectRef>
+          <a:fontRef idx="minor">
+            <a:schemeClr val="lt1"/>
+          </a:fontRef>
+        </p:style>
+        <p:txBody>
+          <a:bodyPr rtlCol="0" anchor="ctr"/>
+          <a:lstStyle/>
+          <a:p>
+            <a:pPr algn="ctr"/>
+            <a:endParaRPr kumimoji="1" lang="ja-JP" altLang="en-US" dirty="0"/>
+          </a:p>
+        </p:txBody>
+      </p:sp>
+      <p:sp>
+        <p:nvSpPr>
+          <p:cNvPr id="2" name="タイトル 1">
+            <a:extLst>
+              <a:ext uri="{FF2B5EF4-FFF2-40B4-BE49-F238E27FC236}">
+                <a16:creationId xmlns:a16="http://schemas.microsoft.com/office/drawing/2014/main" id="{D2CF6507-08DF-44EF-80BE-ED8496304D7D}"/>
+              </a:ext>
+            </a:extLst>
+          </p:cNvPr>
+          <p:cNvSpPr>
+            <a:spLocks noGrp="1"/>
+          </p:cNvSpPr>
+          <p:nvPr>
+            <p:ph type="ctrTitle"/>
+          </p:nvPr>
+        </p:nvSpPr>
+        <p:spPr>
+          <a:xfrm>
+            <a:off x="2383077" y="1130081"/>
+            <a:ext cx="9144000" cy="922880"/>
+          </a:xfrm>
+        </p:spPr>
+        <p:txBody>
+          <a:bodyPr>
+            <a:normAutofit/>
+          </a:bodyPr>
+          <a:lstStyle/>
+          <a:p>
+            <a:r>
+              <a:rPr kumimoji="1" lang="ja-JP" altLang="en-US" sz="4800" b="1" dirty="0">
+                <a:solidFill>
+                  <a:schemeClr val="bg1"/>
+                </a:solidFill>
+                <a:latin typeface="メイリオ" panose="020B0604030504040204" pitchFamily="50" charset="-128"/>
+                <a:ea typeface="メイリオ" panose="020B0604030504040204" pitchFamily="50" charset="-128"/>
+              </a:rPr>
+              <a:t>ナレッジグラフ推論チャレンジ</a:t>
+            </a:r>
+          </a:p>
+        </p:txBody>
+      </p:sp>
+      <p:sp>
+        <p:nvSpPr>
+          <p:cNvPr id="4" name="正方形/長方形 3">
+            <a:extLst>
+              <a:ext uri="{FF2B5EF4-FFF2-40B4-BE49-F238E27FC236}">
+                <a16:creationId xmlns:a16="http://schemas.microsoft.com/office/drawing/2014/main" id="{3A4642D0-CE2E-41DC-9818-990FC9274114}"/>
+              </a:ext>
+            </a:extLst>
+          </p:cNvPr>
+          <p:cNvSpPr/>
+          <p:nvPr/>
+        </p:nvSpPr>
+        <p:spPr>
+          <a:xfrm>
+            <a:off x="2603244" y="609095"/>
+            <a:ext cx="8499250" cy="646331"/>
+          </a:xfrm>
+          <a:prstGeom prst="rect">
+            <a:avLst/>
+          </a:prstGeom>
+        </p:spPr>
+        <p:txBody>
+          <a:bodyPr wrap="none">
+            <a:spAutoFit/>
+          </a:bodyPr>
+          <a:lstStyle/>
+          <a:p>
+            <a:r>
+              <a:rPr lang="en-US" altLang="ja-JP" sz="3600" b="1" i="1" dirty="0">
+                <a:solidFill>
+                  <a:schemeClr val="bg1"/>
+                </a:solidFill>
+                <a:latin typeface="CMR12"/>
+              </a:rPr>
+              <a:t>KGC: </a:t>
+            </a:r>
+            <a:r>
+              <a:rPr lang="en-US" altLang="ja-JP" sz="3600" i="1" dirty="0">
+                <a:solidFill>
+                  <a:schemeClr val="bg1"/>
+                </a:solidFill>
+                <a:latin typeface="CMR12"/>
+              </a:rPr>
+              <a:t>Knowledge Graph Reasoning Challenge</a:t>
+            </a:r>
+            <a:endParaRPr lang="ja-JP" altLang="en-US" sz="3600" i="1" dirty="0">
+              <a:solidFill>
+                <a:schemeClr val="bg1"/>
+              </a:solidFill>
+            </a:endParaRPr>
+          </a:p>
+        </p:txBody>
+      </p:sp>
+      <p:pic>
+        <p:nvPicPr>
+          <p:cNvPr id="6" name="図 5" descr="屋外にある物体 が含まれている画像&#10;&#10;高い精度で生成された説明">
+            <a:extLst>
+              <a:ext uri="{FF2B5EF4-FFF2-40B4-BE49-F238E27FC236}">
+                <a16:creationId xmlns:a16="http://schemas.microsoft.com/office/drawing/2014/main" id="{E21D6EDC-125C-411C-B466-E77AFF293081}"/>
+              </a:ext>
+            </a:extLst>
+          </p:cNvPr>
+          <p:cNvPicPr>
+            <a:picLocks noChangeAspect="1"/>
+          </p:cNvPicPr>
+          <p:nvPr/>
+        </p:nvPicPr>
+        <p:blipFill>
+          <a:blip r:embed="rId2">
+            <a:lum bright="70000" contrast="-70000"/>
+            <a:extLst>
+              <a:ext uri="{28A0092B-C50C-407E-A947-70E740481C1C}">
+                <a14:useLocalDpi xmlns:a14="http://schemas.microsoft.com/office/drawing/2010/main" val="0"/>
+              </a:ext>
+            </a:extLst>
+          </a:blip>
+          <a:stretch>
+            <a:fillRect/>
+          </a:stretch>
+        </p:blipFill>
+        <p:spPr>
+          <a:xfrm>
+            <a:off x="1051294" y="643325"/>
+            <a:ext cx="1497197" cy="1270278"/>
+          </a:xfrm>
+          <a:prstGeom prst="rect">
+            <a:avLst/>
+          </a:prstGeom>
+        </p:spPr>
+      </p:pic>
+      <p:grpSp>
+        <p:nvGrpSpPr>
+          <p:cNvPr id="11" name="グループ化 10">
+            <a:extLst>
+              <a:ext uri="{FF2B5EF4-FFF2-40B4-BE49-F238E27FC236}">
+                <a16:creationId xmlns:a16="http://schemas.microsoft.com/office/drawing/2014/main" id="{EE166CA4-B189-4644-B1E7-94E19B7487DE}"/>
+              </a:ext>
+            </a:extLst>
+          </p:cNvPr>
+          <p:cNvGrpSpPr/>
+          <p:nvPr/>
+        </p:nvGrpSpPr>
+        <p:grpSpPr>
+          <a:xfrm>
+            <a:off x="1051294" y="2538852"/>
+            <a:ext cx="10475783" cy="1443866"/>
+            <a:chOff x="1140070" y="3914891"/>
+            <a:chExt cx="10475783" cy="1443866"/>
+          </a:xfrm>
+        </p:grpSpPr>
+        <p:sp>
+          <p:nvSpPr>
+            <p:cNvPr id="8" name="タイトル 1">
+              <a:extLst>
+                <a:ext uri="{FF2B5EF4-FFF2-40B4-BE49-F238E27FC236}">
+                  <a16:creationId xmlns:a16="http://schemas.microsoft.com/office/drawing/2014/main" id="{6C47E726-2363-4AEF-B092-0BBB722A71A3}"/>
+                </a:ext>
+              </a:extLst>
+            </p:cNvPr>
+            <p:cNvSpPr txBox="1">
+              <a:spLocks/>
+            </p:cNvSpPr>
+            <p:nvPr/>
+          </p:nvSpPr>
+          <p:spPr>
+            <a:xfrm>
+              <a:off x="2471853" y="4435877"/>
+              <a:ext cx="9144000" cy="922880"/>
+            </a:xfrm>
+            <a:prstGeom prst="rect">
+              <a:avLst/>
+            </a:prstGeom>
+          </p:spPr>
+          <p:txBody>
+            <a:bodyPr vert="horz" lIns="91440" tIns="45720" rIns="91440" bIns="45720" rtlCol="0" anchor="b">
+              <a:normAutofit/>
+            </a:bodyPr>
+            <a:lstStyle>
+              <a:lvl1pPr algn="ctr" defTabSz="914400" rtl="0" eaLnBrk="1" latinLnBrk="0" hangingPunct="1">
+                <a:lnSpc>
+                  <a:spcPct val="90000"/>
+                </a:lnSpc>
+                <a:spcBef>
+                  <a:spcPct val="0"/>
+                </a:spcBef>
+                <a:buNone/>
+                <a:defRPr kumimoji="1" sz="6000" kern="1200">
+                  <a:solidFill>
+                    <a:schemeClr val="tx1"/>
+                  </a:solidFill>
+                  <a:latin typeface="+mj-lt"/>
+                  <a:ea typeface="+mj-ea"/>
+                  <a:cs typeface="+mj-cs"/>
+                </a:defRPr>
+              </a:lvl1pPr>
+            </a:lstStyle>
+            <a:p>
+              <a:r>
+                <a:rPr lang="ja-JP" altLang="en-US" sz="4800" b="1">
+                  <a:latin typeface="メイリオ" panose="020B0604030504040204" pitchFamily="50" charset="-128"/>
+                  <a:ea typeface="メイリオ" panose="020B0604030504040204" pitchFamily="50" charset="-128"/>
+                </a:rPr>
+                <a:t>ナレッジグラフ推論チャレンジ</a:t>
+              </a:r>
+              <a:endParaRPr lang="ja-JP" altLang="en-US" sz="4800" b="1" dirty="0">
+                <a:latin typeface="メイリオ" panose="020B0604030504040204" pitchFamily="50" charset="-128"/>
+                <a:ea typeface="メイリオ" panose="020B0604030504040204" pitchFamily="50" charset="-128"/>
+              </a:endParaRPr>
+            </a:p>
+          </p:txBody>
+        </p:sp>
+        <p:sp>
+          <p:nvSpPr>
+            <p:cNvPr id="9" name="正方形/長方形 8">
+              <a:extLst>
+                <a:ext uri="{FF2B5EF4-FFF2-40B4-BE49-F238E27FC236}">
+                  <a16:creationId xmlns:a16="http://schemas.microsoft.com/office/drawing/2014/main" id="{B0009588-89B3-43A3-8CAC-6325B8B12180}"/>
+                </a:ext>
+              </a:extLst>
+            </p:cNvPr>
+            <p:cNvSpPr/>
+            <p:nvPr/>
+          </p:nvSpPr>
+          <p:spPr>
+            <a:xfrm>
+              <a:off x="2692020" y="3914891"/>
+              <a:ext cx="8499250" cy="646331"/>
+            </a:xfrm>
+            <a:prstGeom prst="rect">
+              <a:avLst/>
+            </a:prstGeom>
+          </p:spPr>
+          <p:txBody>
+            <a:bodyPr wrap="none">
+              <a:spAutoFit/>
+            </a:bodyPr>
+            <a:lstStyle/>
+            <a:p>
+              <a:r>
+                <a:rPr lang="en-US" altLang="ja-JP" sz="3600" b="1" i="1" dirty="0">
+                  <a:latin typeface="CMR12"/>
+                </a:rPr>
+                <a:t>KGC: </a:t>
+              </a:r>
+              <a:r>
+                <a:rPr lang="en-US" altLang="ja-JP" sz="3600" i="1" dirty="0">
+                  <a:latin typeface="CMR12"/>
+                </a:rPr>
+                <a:t>Knowledge Graph Reasoning Challenge</a:t>
+              </a:r>
+              <a:endParaRPr lang="ja-JP" altLang="en-US" sz="3600" i="1" dirty="0"/>
+            </a:p>
+          </p:txBody>
+        </p:sp>
+        <p:pic>
+          <p:nvPicPr>
+            <p:cNvPr id="10" name="図 9" descr="屋外にある物体 が含まれている画像&#10;&#10;高い精度で生成された説明">
+              <a:extLst>
+                <a:ext uri="{FF2B5EF4-FFF2-40B4-BE49-F238E27FC236}">
+                  <a16:creationId xmlns:a16="http://schemas.microsoft.com/office/drawing/2014/main" id="{BB5323B1-03FB-43AF-A30C-2A57F78B0BD2}"/>
+                </a:ext>
+              </a:extLst>
+            </p:cNvPr>
+            <p:cNvPicPr>
+              <a:picLocks noChangeAspect="1"/>
+            </p:cNvPicPr>
+            <p:nvPr/>
+          </p:nvPicPr>
+          <p:blipFill>
+            <a:blip r:embed="rId2">
+              <a:extLst>
+                <a:ext uri="{28A0092B-C50C-407E-A947-70E740481C1C}">
+                  <a14:useLocalDpi xmlns:a14="http://schemas.microsoft.com/office/drawing/2010/main" val="0"/>
+                </a:ext>
+              </a:extLst>
+            </a:blip>
+            <a:stretch>
+              <a:fillRect/>
+            </a:stretch>
+          </p:blipFill>
+          <p:spPr>
+            <a:xfrm>
+              <a:off x="1140070" y="3949121"/>
+              <a:ext cx="1497197" cy="1270278"/>
+            </a:xfrm>
+            <a:prstGeom prst="rect">
+              <a:avLst/>
+            </a:prstGeom>
+          </p:spPr>
+        </p:pic>
+      </p:grpSp>
+    </p:spTree>
+    <p:extLst>
+      <p:ext uri="{BB962C8B-B14F-4D97-AF65-F5344CB8AC3E}">
+        <p14:creationId xmlns:p14="http://schemas.microsoft.com/office/powerpoint/2010/main" val="3654999906"/>
+      </p:ext>
+    </p:extLst>
+  </p:cSld>
+  <p:clrMapOvr>
+    <a:masterClrMapping/>
+  </p:clrMapOvr>
+</p:sld>
+</file>
+
+<file path=ppt/slides/slide2.xml><?xml version="1.0" encoding="utf-8"?>
+<p:sld xmlns:a="http://schemas.openxmlformats.org/drawingml/2006/main" xmlns:r="http://schemas.openxmlformats.org/officeDocument/2006/relationships" xmlns:p="http://schemas.openxmlformats.org/presentationml/2006/main">
+  <p:cSld>
+    <p:spTree>
+      <p:nvGrpSpPr>
+        <p:cNvPr id="1" name=""/>
+        <p:cNvGrpSpPr/>
+        <p:nvPr/>
+      </p:nvGrpSpPr>
+      <p:grpSpPr>
+        <a:xfrm>
+          <a:off x="0" y="0"/>
+          <a:ext cx="0" cy="0"/>
+          <a:chOff x="0" y="0"/>
+          <a:chExt cx="0" cy="0"/>
+        </a:xfrm>
+      </p:grpSpPr>
+      <p:pic>
+        <p:nvPicPr>
+          <p:cNvPr id="3" name="図 2">
+            <a:extLst>
+              <a:ext uri="{FF2B5EF4-FFF2-40B4-BE49-F238E27FC236}">
+                <a16:creationId xmlns:a16="http://schemas.microsoft.com/office/drawing/2014/main" id="{6189EB18-0B1D-4B97-9108-1BABD915C41B}"/>
+              </a:ext>
+            </a:extLst>
+          </p:cNvPr>
+          <p:cNvPicPr>
+            <a:picLocks noChangeAspect="1"/>
+          </p:cNvPicPr>
+          <p:nvPr/>
+        </p:nvPicPr>
+        <p:blipFill>
+          <a:blip r:embed="rId2">
+            <a:extLst>
+              <a:ext uri="{28A0092B-C50C-407E-A947-70E740481C1C}">
+                <a14:useLocalDpi xmlns:a14="http://schemas.microsoft.com/office/drawing/2010/main" val="0"/>
+              </a:ext>
+            </a:extLst>
+          </a:blip>
+          <a:stretch>
+            <a:fillRect/>
+          </a:stretch>
+        </p:blipFill>
+        <p:spPr>
+          <a:xfrm>
+            <a:off x="-13916" y="0"/>
+            <a:ext cx="11550470" cy="5886703"/>
+          </a:xfrm>
+          <a:prstGeom prst="rect">
+            <a:avLst/>
+          </a:prstGeom>
+        </p:spPr>
+      </p:pic>
+      <p:grpSp>
+        <p:nvGrpSpPr>
+          <p:cNvPr id="4" name="グループ化 3">
+            <a:extLst>
+              <a:ext uri="{FF2B5EF4-FFF2-40B4-BE49-F238E27FC236}">
+                <a16:creationId xmlns:a16="http://schemas.microsoft.com/office/drawing/2014/main" id="{C820B854-9DBE-40B8-985F-39903DDC3B66}"/>
+              </a:ext>
+            </a:extLst>
+          </p:cNvPr>
+          <p:cNvGrpSpPr/>
+          <p:nvPr/>
+        </p:nvGrpSpPr>
+        <p:grpSpPr>
+          <a:xfrm>
+            <a:off x="1060771" y="2389411"/>
+            <a:ext cx="10475783" cy="1443866"/>
+            <a:chOff x="1140070" y="3914891"/>
+            <a:chExt cx="10475783" cy="1443866"/>
+          </a:xfrm>
+        </p:grpSpPr>
+        <p:sp>
+          <p:nvSpPr>
+            <p:cNvPr id="5" name="タイトル 1">
+              <a:extLst>
+                <a:ext uri="{FF2B5EF4-FFF2-40B4-BE49-F238E27FC236}">
+                  <a16:creationId xmlns:a16="http://schemas.microsoft.com/office/drawing/2014/main" id="{54FEEA95-A48E-48BE-AA4B-03649B447640}"/>
+                </a:ext>
+              </a:extLst>
+            </p:cNvPr>
+            <p:cNvSpPr txBox="1">
+              <a:spLocks/>
+            </p:cNvSpPr>
+            <p:nvPr/>
+          </p:nvSpPr>
+          <p:spPr>
+            <a:xfrm>
+              <a:off x="2471853" y="4435877"/>
+              <a:ext cx="9144000" cy="922880"/>
+            </a:xfrm>
+            <a:prstGeom prst="rect">
+              <a:avLst/>
+            </a:prstGeom>
+          </p:spPr>
+          <p:txBody>
+            <a:bodyPr vert="horz" lIns="91440" tIns="45720" rIns="91440" bIns="45720" rtlCol="0" anchor="b">
+              <a:normAutofit/>
+            </a:bodyPr>
+            <a:lstStyle>
+              <a:lvl1pPr algn="ctr" defTabSz="914400" rtl="0" eaLnBrk="1" latinLnBrk="0" hangingPunct="1">
+                <a:lnSpc>
+                  <a:spcPct val="90000"/>
+                </a:lnSpc>
+                <a:spcBef>
+                  <a:spcPct val="0"/>
+                </a:spcBef>
+                <a:buNone/>
+                <a:defRPr kumimoji="1" sz="6000" kern="1200">
+                  <a:solidFill>
+                    <a:schemeClr val="tx1"/>
+                  </a:solidFill>
+                  <a:latin typeface="+mj-lt"/>
+                  <a:ea typeface="+mj-ea"/>
+                  <a:cs typeface="+mj-cs"/>
+                </a:defRPr>
+              </a:lvl1pPr>
+            </a:lstStyle>
+            <a:p>
+              <a:r>
+                <a:rPr lang="ja-JP" altLang="en-US" sz="4800" b="1" dirty="0">
+                  <a:solidFill>
+                    <a:schemeClr val="bg1">
+                      <a:lumMod val="95000"/>
+                    </a:schemeClr>
+                  </a:solidFill>
+                  <a:latin typeface="メイリオ" panose="020B0604030504040204" pitchFamily="50" charset="-128"/>
+                  <a:ea typeface="メイリオ" panose="020B0604030504040204" pitchFamily="50" charset="-128"/>
+                </a:rPr>
+                <a:t>ナレッジグラフ推論チャレンジ</a:t>
+              </a:r>
+            </a:p>
+          </p:txBody>
+        </p:sp>
+        <p:sp>
+          <p:nvSpPr>
+            <p:cNvPr id="6" name="正方形/長方形 5">
+              <a:extLst>
+                <a:ext uri="{FF2B5EF4-FFF2-40B4-BE49-F238E27FC236}">
+                  <a16:creationId xmlns:a16="http://schemas.microsoft.com/office/drawing/2014/main" id="{B7F7653F-8633-4C1F-A0D1-06EA3E269348}"/>
+                </a:ext>
+              </a:extLst>
+            </p:cNvPr>
+            <p:cNvSpPr/>
+            <p:nvPr/>
+          </p:nvSpPr>
+          <p:spPr>
+            <a:xfrm>
+              <a:off x="2692020" y="3914891"/>
+              <a:ext cx="8499250" cy="646331"/>
+            </a:xfrm>
+            <a:prstGeom prst="rect">
+              <a:avLst/>
+            </a:prstGeom>
+          </p:spPr>
+          <p:txBody>
+            <a:bodyPr wrap="none">
+              <a:spAutoFit/>
+            </a:bodyPr>
+            <a:lstStyle/>
+            <a:p>
+              <a:r>
+                <a:rPr lang="en-US" altLang="ja-JP" sz="3600" b="1" i="1" dirty="0">
+                  <a:solidFill>
+                    <a:schemeClr val="bg1">
+                      <a:lumMod val="95000"/>
+                    </a:schemeClr>
+                  </a:solidFill>
+                  <a:latin typeface="CMR12"/>
+                </a:rPr>
+                <a:t>KGC: </a:t>
+              </a:r>
+              <a:r>
+                <a:rPr lang="en-US" altLang="ja-JP" sz="3600" i="1" dirty="0">
+                  <a:solidFill>
+                    <a:schemeClr val="bg1">
+                      <a:lumMod val="95000"/>
+                    </a:schemeClr>
+                  </a:solidFill>
+                  <a:latin typeface="CMR12"/>
+                </a:rPr>
+                <a:t>Knowledge Graph Reasoning Challenge</a:t>
+              </a:r>
+              <a:endParaRPr lang="ja-JP" altLang="en-US" sz="3600" i="1" dirty="0">
+                <a:solidFill>
+                  <a:schemeClr val="bg1">
+                    <a:lumMod val="95000"/>
+                  </a:schemeClr>
+                </a:solidFill>
+              </a:endParaRPr>
+            </a:p>
+          </p:txBody>
+        </p:sp>
+        <p:pic>
+          <p:nvPicPr>
+            <p:cNvPr id="7" name="図 6" descr="屋外にある物体 が含まれている画像&#10;&#10;高い精度で生成された説明">
+              <a:extLst>
+                <a:ext uri="{FF2B5EF4-FFF2-40B4-BE49-F238E27FC236}">
+                  <a16:creationId xmlns:a16="http://schemas.microsoft.com/office/drawing/2014/main" id="{5EB69B0D-CD20-448E-B4DF-3A638C0C8D4A}"/>
+                </a:ext>
+              </a:extLst>
+            </p:cNvPr>
+            <p:cNvPicPr>
+              <a:picLocks noChangeAspect="1"/>
+            </p:cNvPicPr>
+            <p:nvPr/>
+          </p:nvPicPr>
+          <p:blipFill>
+            <a:blip r:embed="rId3">
+              <a:duotone>
+                <a:schemeClr val="bg2">
+                  <a:shade val="45000"/>
+                  <a:satMod val="135000"/>
+                </a:schemeClr>
+                <a:prstClr val="white"/>
+              </a:duotone>
+              <a:extLst>
+                <a:ext uri="{28A0092B-C50C-407E-A947-70E740481C1C}">
+                  <a14:useLocalDpi xmlns:a14="http://schemas.microsoft.com/office/drawing/2010/main" val="0"/>
+                </a:ext>
+              </a:extLst>
+            </a:blip>
+            <a:stretch>
+              <a:fillRect/>
+            </a:stretch>
+          </p:blipFill>
+          <p:spPr>
+            <a:xfrm>
+              <a:off x="1140070" y="3949121"/>
+              <a:ext cx="1497197" cy="1270278"/>
+            </a:xfrm>
+            <a:prstGeom prst="rect">
+              <a:avLst/>
+            </a:prstGeom>
+          </p:spPr>
+        </p:pic>
+      </p:grpSp>
+    </p:spTree>
+    <p:extLst>
+      <p:ext uri="{BB962C8B-B14F-4D97-AF65-F5344CB8AC3E}">
+        <p14:creationId xmlns:p14="http://schemas.microsoft.com/office/powerpoint/2010/main" val="2727380415"/>
+      </p:ext>
+    </p:extLst>
+  </p:cSld>
+  <p:clrMapOvr>
+    <a:masterClrMapping/>
+  </p:clrMapOvr>
+</p:sld>
+</file>
+
+<file path=ppt/slides/slide3.xml><?xml version="1.0" encoding="utf-8"?>
+<p:sld xmlns:a="http://schemas.openxmlformats.org/drawingml/2006/main" xmlns:r="http://schemas.openxmlformats.org/officeDocument/2006/relationships" xmlns:p="http://schemas.openxmlformats.org/presentationml/2006/main">
+  <p:cSld>
+    <p:spTree>
+      <p:nvGrpSpPr>
+        <p:cNvPr id="1" name=""/>
+        <p:cNvGrpSpPr/>
+        <p:nvPr/>
+      </p:nvGrpSpPr>
+      <p:grpSpPr>
+        <a:xfrm>
+          <a:off x="0" y="0"/>
+          <a:ext cx="0" cy="0"/>
+          <a:chOff x="0" y="0"/>
+          <a:chExt cx="0" cy="0"/>
+        </a:xfrm>
+      </p:grpSpPr>
+      <p:pic>
+        <p:nvPicPr>
+          <p:cNvPr id="3" name="図 2">
+            <a:extLst>
+              <a:ext uri="{FF2B5EF4-FFF2-40B4-BE49-F238E27FC236}">
+                <a16:creationId xmlns:a16="http://schemas.microsoft.com/office/drawing/2014/main" id="{5C381C9E-44F9-423E-8456-C88BF91939F1}"/>
+              </a:ext>
+            </a:extLst>
+          </p:cNvPr>
+          <p:cNvPicPr>
+            <a:picLocks noChangeAspect="1"/>
+          </p:cNvPicPr>
+          <p:nvPr/>
+        </p:nvPicPr>
+        <p:blipFill>
+          <a:blip r:embed="rId2">
+            <a:extLst>
+              <a:ext uri="{28A0092B-C50C-407E-A947-70E740481C1C}">
+                <a14:useLocalDpi xmlns:a14="http://schemas.microsoft.com/office/drawing/2010/main" val="0"/>
+              </a:ext>
+            </a:extLst>
+          </a:blip>
+          <a:stretch>
+            <a:fillRect/>
+          </a:stretch>
+        </p:blipFill>
+        <p:spPr>
+          <a:xfrm>
+            <a:off x="609124" y="639838"/>
+            <a:ext cx="10973751" cy="5578323"/>
+          </a:xfrm>
+          <a:prstGeom prst="rect">
+            <a:avLst/>
+          </a:prstGeom>
+        </p:spPr>
+      </p:pic>
+    </p:spTree>
+    <p:extLst>
+      <p:ext uri="{BB962C8B-B14F-4D97-AF65-F5344CB8AC3E}">
+        <p14:creationId xmlns:p14="http://schemas.microsoft.com/office/powerpoint/2010/main" val="948145079"/>
+      </p:ext>
+    </p:extLst>
+  </p:cSld>
+  <p:clrMapOvr>
+    <a:masterClrMapping/>
+  </p:clrMapOvr>
+</p:sld>
+</file>
+
+<file path=ppt/slides/slide4.xml><?xml version="1.0" encoding="utf-8"?>
+<p:sld xmlns:a="http://schemas.openxmlformats.org/drawingml/2006/main" xmlns:r="http://schemas.openxmlformats.org/officeDocument/2006/relationships" xmlns:p="http://schemas.openxmlformats.org/presentationml/2006/main">
+  <p:cSld>
+    <p:spTree>
+      <p:nvGrpSpPr>
+        <p:cNvPr id="1" name=""/>
+        <p:cNvGrpSpPr/>
+        <p:nvPr/>
+      </p:nvGrpSpPr>
+      <p:grpSpPr>
+        <a:xfrm>
+          <a:off x="0" y="0"/>
+          <a:ext cx="0" cy="0"/>
+          <a:chOff x="0" y="0"/>
+          <a:chExt cx="0" cy="0"/>
+        </a:xfrm>
+      </p:grpSpPr>
+      <p:sp>
+        <p:nvSpPr>
+          <p:cNvPr id="7" name="正方形/長方形 6">
+            <a:extLst>
+              <a:ext uri="{FF2B5EF4-FFF2-40B4-BE49-F238E27FC236}">
+                <a16:creationId xmlns:a16="http://schemas.microsoft.com/office/drawing/2014/main" id="{63155CE5-B6F6-4AA8-9E67-A3A63AEB9F93}"/>
+              </a:ext>
+            </a:extLst>
+          </p:cNvPr>
+          <p:cNvSpPr/>
+          <p:nvPr/>
+        </p:nvSpPr>
+        <p:spPr>
+          <a:xfrm>
             <a:off x="925551" y="1818162"/>
             <a:ext cx="10690302" cy="1672682"/>
           </a:xfrm>
@@ -4002,380 +4695,6 @@
     <p:extLst>
       <p:ext uri="{BB962C8B-B14F-4D97-AF65-F5344CB8AC3E}">
         <p14:creationId xmlns:p14="http://schemas.microsoft.com/office/powerpoint/2010/main" val="39451697"/>
-      </p:ext>
-    </p:extLst>
-  </p:cSld>
-  <p:clrMapOvr>
-    <a:masterClrMapping/>
-  </p:clrMapOvr>
-</p:sld>
-</file>
-
-<file path=ppt/slides/slide2.xml><?xml version="1.0" encoding="utf-8"?>
-<p:sld xmlns:a="http://schemas.openxmlformats.org/drawingml/2006/main" xmlns:r="http://schemas.openxmlformats.org/officeDocument/2006/relationships" xmlns:p="http://schemas.openxmlformats.org/presentationml/2006/main">
-  <p:cSld>
-    <p:spTree>
-      <p:nvGrpSpPr>
-        <p:cNvPr id="1" name=""/>
-        <p:cNvGrpSpPr/>
-        <p:nvPr/>
-      </p:nvGrpSpPr>
-      <p:grpSpPr>
-        <a:xfrm>
-          <a:off x="0" y="0"/>
-          <a:ext cx="0" cy="0"/>
-          <a:chOff x="0" y="0"/>
-          <a:chExt cx="0" cy="0"/>
-        </a:xfrm>
-      </p:grpSpPr>
-      <p:sp>
-        <p:nvSpPr>
-          <p:cNvPr id="7" name="正方形/長方形 6">
-            <a:extLst>
-              <a:ext uri="{FF2B5EF4-FFF2-40B4-BE49-F238E27FC236}">
-                <a16:creationId xmlns:a16="http://schemas.microsoft.com/office/drawing/2014/main" id="{63155CE5-B6F6-4AA8-9E67-A3A63AEB9F93}"/>
-              </a:ext>
-            </a:extLst>
-          </p:cNvPr>
-          <p:cNvSpPr/>
-          <p:nvPr/>
-        </p:nvSpPr>
-        <p:spPr>
-          <a:xfrm>
-            <a:off x="925551" y="1818162"/>
-            <a:ext cx="10690302" cy="1672682"/>
-          </a:xfrm>
-          <a:prstGeom prst="rect">
-            <a:avLst/>
-          </a:prstGeom>
-          <a:solidFill>
-            <a:schemeClr val="bg2"/>
-          </a:solidFill>
-          <a:ln>
-            <a:noFill/>
-          </a:ln>
-        </p:spPr>
-        <p:style>
-          <a:lnRef idx="2">
-            <a:schemeClr val="accent1">
-              <a:shade val="50000"/>
-            </a:schemeClr>
-          </a:lnRef>
-          <a:fillRef idx="1">
-            <a:schemeClr val="accent1"/>
-          </a:fillRef>
-          <a:effectRef idx="0">
-            <a:schemeClr val="accent1"/>
-          </a:effectRef>
-          <a:fontRef idx="minor">
-            <a:schemeClr val="lt1"/>
-          </a:fontRef>
-        </p:style>
-        <p:txBody>
-          <a:bodyPr rtlCol="0" anchor="ctr"/>
-          <a:lstStyle/>
-          <a:p>
-            <a:pPr algn="ctr"/>
-            <a:endParaRPr kumimoji="1" lang="ja-JP" altLang="en-US" dirty="0"/>
-          </a:p>
-        </p:txBody>
-      </p:sp>
-      <p:sp>
-        <p:nvSpPr>
-          <p:cNvPr id="2" name="タイトル 1">
-            <a:extLst>
-              <a:ext uri="{FF2B5EF4-FFF2-40B4-BE49-F238E27FC236}">
-                <a16:creationId xmlns:a16="http://schemas.microsoft.com/office/drawing/2014/main" id="{D2CF6507-08DF-44EF-80BE-ED8496304D7D}"/>
-              </a:ext>
-            </a:extLst>
-          </p:cNvPr>
-          <p:cNvSpPr>
-            <a:spLocks noGrp="1"/>
-          </p:cNvSpPr>
-          <p:nvPr>
-            <p:ph type="ctrTitle"/>
-          </p:nvPr>
-        </p:nvSpPr>
-        <p:spPr>
-          <a:xfrm>
-            <a:off x="2471853" y="2506120"/>
-            <a:ext cx="9144000" cy="922880"/>
-          </a:xfrm>
-        </p:spPr>
-        <p:txBody>
-          <a:bodyPr>
-            <a:normAutofit/>
-          </a:bodyPr>
-          <a:lstStyle/>
-          <a:p>
-            <a:r>
-              <a:rPr kumimoji="1" lang="ja-JP" altLang="en-US" sz="4800" b="1" dirty="0">
-                <a:solidFill>
-                  <a:schemeClr val="bg1"/>
-                </a:solidFill>
-                <a:latin typeface="メイリオ" panose="020B0604030504040204" pitchFamily="50" charset="-128"/>
-                <a:ea typeface="メイリオ" panose="020B0604030504040204" pitchFamily="50" charset="-128"/>
-              </a:rPr>
-              <a:t>ナレッジグラフ推論チャレンジ</a:t>
-            </a:r>
-          </a:p>
-        </p:txBody>
-      </p:sp>
-      <p:sp>
-        <p:nvSpPr>
-          <p:cNvPr id="4" name="正方形/長方形 3">
-            <a:extLst>
-              <a:ext uri="{FF2B5EF4-FFF2-40B4-BE49-F238E27FC236}">
-                <a16:creationId xmlns:a16="http://schemas.microsoft.com/office/drawing/2014/main" id="{3A4642D0-CE2E-41DC-9818-990FC9274114}"/>
-              </a:ext>
-            </a:extLst>
-          </p:cNvPr>
-          <p:cNvSpPr/>
-          <p:nvPr/>
-        </p:nvSpPr>
-        <p:spPr>
-          <a:xfrm>
-            <a:off x="2692020" y="1985134"/>
-            <a:ext cx="8499250" cy="646331"/>
-          </a:xfrm>
-          <a:prstGeom prst="rect">
-            <a:avLst/>
-          </a:prstGeom>
-        </p:spPr>
-        <p:txBody>
-          <a:bodyPr wrap="none">
-            <a:spAutoFit/>
-          </a:bodyPr>
-          <a:lstStyle/>
-          <a:p>
-            <a:r>
-              <a:rPr lang="en-US" altLang="ja-JP" sz="3600" b="1" i="1" dirty="0">
-                <a:solidFill>
-                  <a:schemeClr val="bg1"/>
-                </a:solidFill>
-                <a:latin typeface="CMR12"/>
-              </a:rPr>
-              <a:t>KGC: </a:t>
-            </a:r>
-            <a:r>
-              <a:rPr lang="en-US" altLang="ja-JP" sz="3600" i="1" dirty="0">
-                <a:solidFill>
-                  <a:schemeClr val="bg1"/>
-                </a:solidFill>
-                <a:latin typeface="CMR12"/>
-              </a:rPr>
-              <a:t>Knowledge Graph Reasoning Challenge</a:t>
-            </a:r>
-            <a:endParaRPr lang="ja-JP" altLang="en-US" sz="3600" i="1" dirty="0">
-              <a:solidFill>
-                <a:schemeClr val="bg1"/>
-              </a:solidFill>
-            </a:endParaRPr>
-          </a:p>
-        </p:txBody>
-      </p:sp>
-      <p:pic>
-        <p:nvPicPr>
-          <p:cNvPr id="6" name="図 5" descr="屋外にある物体 が含まれている画像&#10;&#10;高い精度で生成された説明">
-            <a:extLst>
-              <a:ext uri="{FF2B5EF4-FFF2-40B4-BE49-F238E27FC236}">
-                <a16:creationId xmlns:a16="http://schemas.microsoft.com/office/drawing/2014/main" id="{E21D6EDC-125C-411C-B466-E77AFF293081}"/>
-              </a:ext>
-            </a:extLst>
-          </p:cNvPr>
-          <p:cNvPicPr>
-            <a:picLocks noChangeAspect="1"/>
-          </p:cNvPicPr>
-          <p:nvPr/>
-        </p:nvPicPr>
-        <p:blipFill>
-          <a:blip r:embed="rId2">
-            <a:lum bright="70000" contrast="-70000"/>
-            <a:extLst>
-              <a:ext uri="{28A0092B-C50C-407E-A947-70E740481C1C}">
-                <a14:useLocalDpi xmlns:a14="http://schemas.microsoft.com/office/drawing/2010/main" val="0"/>
-              </a:ext>
-            </a:extLst>
-          </a:blip>
-          <a:stretch>
-            <a:fillRect/>
-          </a:stretch>
-        </p:blipFill>
-        <p:spPr>
-          <a:xfrm>
-            <a:off x="1140070" y="2019364"/>
-            <a:ext cx="1497197" cy="1270278"/>
-          </a:xfrm>
-          <a:prstGeom prst="rect">
-            <a:avLst/>
-          </a:prstGeom>
-        </p:spPr>
-      </p:pic>
-      <p:grpSp>
-        <p:nvGrpSpPr>
-          <p:cNvPr id="11" name="グループ化 10">
-            <a:extLst>
-              <a:ext uri="{FF2B5EF4-FFF2-40B4-BE49-F238E27FC236}">
-                <a16:creationId xmlns:a16="http://schemas.microsoft.com/office/drawing/2014/main" id="{EE166CA4-B189-4644-B1E7-94E19B7487DE}"/>
-              </a:ext>
-            </a:extLst>
-          </p:cNvPr>
-          <p:cNvGrpSpPr/>
-          <p:nvPr/>
-        </p:nvGrpSpPr>
-        <p:grpSpPr>
-          <a:xfrm>
-            <a:off x="1140070" y="3914891"/>
-            <a:ext cx="10475783" cy="1443866"/>
-            <a:chOff x="1140070" y="3914891"/>
-            <a:chExt cx="10475783" cy="1443866"/>
-          </a:xfrm>
-        </p:grpSpPr>
-        <p:sp>
-          <p:nvSpPr>
-            <p:cNvPr id="8" name="タイトル 1">
-              <a:extLst>
-                <a:ext uri="{FF2B5EF4-FFF2-40B4-BE49-F238E27FC236}">
-                  <a16:creationId xmlns:a16="http://schemas.microsoft.com/office/drawing/2014/main" id="{6C47E726-2363-4AEF-B092-0BBB722A71A3}"/>
-                </a:ext>
-              </a:extLst>
-            </p:cNvPr>
-            <p:cNvSpPr txBox="1">
-              <a:spLocks/>
-            </p:cNvSpPr>
-            <p:nvPr/>
-          </p:nvSpPr>
-          <p:spPr>
-            <a:xfrm>
-              <a:off x="2471853" y="4435877"/>
-              <a:ext cx="9144000" cy="922880"/>
-            </a:xfrm>
-            <a:prstGeom prst="rect">
-              <a:avLst/>
-            </a:prstGeom>
-          </p:spPr>
-          <p:txBody>
-            <a:bodyPr vert="horz" lIns="91440" tIns="45720" rIns="91440" bIns="45720" rtlCol="0" anchor="b">
-              <a:normAutofit/>
-            </a:bodyPr>
-            <a:lstStyle>
-              <a:lvl1pPr algn="ctr" defTabSz="914400" rtl="0" eaLnBrk="1" latinLnBrk="0" hangingPunct="1">
-                <a:lnSpc>
-                  <a:spcPct val="90000"/>
-                </a:lnSpc>
-                <a:spcBef>
-                  <a:spcPct val="0"/>
-                </a:spcBef>
-                <a:buNone/>
-                <a:defRPr kumimoji="1" sz="6000" kern="1200">
-                  <a:solidFill>
-                    <a:schemeClr val="tx1"/>
-                  </a:solidFill>
-                  <a:latin typeface="+mj-lt"/>
-                  <a:ea typeface="+mj-ea"/>
-                  <a:cs typeface="+mj-cs"/>
-                </a:defRPr>
-              </a:lvl1pPr>
-            </a:lstStyle>
-            <a:p>
-              <a:r>
-                <a:rPr lang="ja-JP" altLang="en-US" sz="4800" b="1">
-                  <a:latin typeface="メイリオ" panose="020B0604030504040204" pitchFamily="50" charset="-128"/>
-                  <a:ea typeface="メイリオ" panose="020B0604030504040204" pitchFamily="50" charset="-128"/>
-                </a:rPr>
-                <a:t>ナレッジグラフ推論チャレンジ</a:t>
-              </a:r>
-              <a:endParaRPr lang="ja-JP" altLang="en-US" sz="4800" b="1" dirty="0">
-                <a:latin typeface="メイリオ" panose="020B0604030504040204" pitchFamily="50" charset="-128"/>
-                <a:ea typeface="メイリオ" panose="020B0604030504040204" pitchFamily="50" charset="-128"/>
-              </a:endParaRPr>
-            </a:p>
-          </p:txBody>
-        </p:sp>
-        <p:sp>
-          <p:nvSpPr>
-            <p:cNvPr id="9" name="正方形/長方形 8">
-              <a:extLst>
-                <a:ext uri="{FF2B5EF4-FFF2-40B4-BE49-F238E27FC236}">
-                  <a16:creationId xmlns:a16="http://schemas.microsoft.com/office/drawing/2014/main" id="{B0009588-89B3-43A3-8CAC-6325B8B12180}"/>
-                </a:ext>
-              </a:extLst>
-            </p:cNvPr>
-            <p:cNvSpPr/>
-            <p:nvPr/>
-          </p:nvSpPr>
-          <p:spPr>
-            <a:xfrm>
-              <a:off x="2692020" y="3914891"/>
-              <a:ext cx="8499250" cy="646331"/>
-            </a:xfrm>
-            <a:prstGeom prst="rect">
-              <a:avLst/>
-            </a:prstGeom>
-          </p:spPr>
-          <p:txBody>
-            <a:bodyPr wrap="none">
-              <a:spAutoFit/>
-            </a:bodyPr>
-            <a:lstStyle/>
-            <a:p>
-              <a:r>
-                <a:rPr lang="en-US" altLang="ja-JP" sz="3600" b="1" i="1" dirty="0">
-                  <a:latin typeface="CMR12"/>
-                </a:rPr>
-                <a:t>KGC: </a:t>
-              </a:r>
-              <a:r>
-                <a:rPr lang="en-US" altLang="ja-JP" sz="3600" i="1" dirty="0">
-                  <a:latin typeface="CMR12"/>
-                </a:rPr>
-                <a:t>Knowledge Graph Reasoning Challenge</a:t>
-              </a:r>
-              <a:endParaRPr lang="ja-JP" altLang="en-US" sz="3600" i="1" dirty="0"/>
-            </a:p>
-          </p:txBody>
-        </p:sp>
-        <p:pic>
-          <p:nvPicPr>
-            <p:cNvPr id="10" name="図 9" descr="屋外にある物体 が含まれている画像&#10;&#10;高い精度で生成された説明">
-              <a:extLst>
-                <a:ext uri="{FF2B5EF4-FFF2-40B4-BE49-F238E27FC236}">
-                  <a16:creationId xmlns:a16="http://schemas.microsoft.com/office/drawing/2014/main" id="{BB5323B1-03FB-43AF-A30C-2A57F78B0BD2}"/>
-                </a:ext>
-              </a:extLst>
-            </p:cNvPr>
-            <p:cNvPicPr>
-              <a:picLocks noChangeAspect="1"/>
-            </p:cNvPicPr>
-            <p:nvPr/>
-          </p:nvPicPr>
-          <p:blipFill>
-            <a:blip r:embed="rId2">
-              <a:extLst>
-                <a:ext uri="{28A0092B-C50C-407E-A947-70E740481C1C}">
-                  <a14:useLocalDpi xmlns:a14="http://schemas.microsoft.com/office/drawing/2010/main" val="0"/>
-                </a:ext>
-              </a:extLst>
-            </a:blip>
-            <a:stretch>
-              <a:fillRect/>
-            </a:stretch>
-          </p:blipFill>
-          <p:spPr>
-            <a:xfrm>
-              <a:off x="1140070" y="3949121"/>
-              <a:ext cx="1497197" cy="1270278"/>
-            </a:xfrm>
-            <a:prstGeom prst="rect">
-              <a:avLst/>
-            </a:prstGeom>
-          </p:spPr>
-        </p:pic>
-      </p:grpSp>
-    </p:spTree>
-    <p:extLst>
-      <p:ext uri="{BB962C8B-B14F-4D97-AF65-F5344CB8AC3E}">
-        <p14:creationId xmlns:p14="http://schemas.microsoft.com/office/powerpoint/2010/main" val="3654999906"/>
       </p:ext>
     </p:extLst>
   </p:cSld>

--- a/docs/images/ナレッジグラフ推論チャレンジFIG.pptx
+++ b/docs/images/ナレッジグラフ推論チャレンジFIG.pptx
@@ -7,8 +7,7 @@
   <p:sldIdLst>
     <p:sldId id="257" r:id="rId2"/>
     <p:sldId id="258" r:id="rId3"/>
-    <p:sldId id="259" r:id="rId4"/>
-    <p:sldId id="256" r:id="rId5"/>
+    <p:sldId id="256" r:id="rId4"/>
   </p:sldIdLst>
   <p:sldSz cx="12192000" cy="6858000"/>
   <p:notesSz cx="6858000" cy="9144000"/>
@@ -4019,7 +4018,7 @@
         </p:blipFill>
         <p:spPr>
           <a:xfrm>
-            <a:off x="-13916" y="0"/>
+            <a:off x="320765" y="344774"/>
             <a:ext cx="11550470" cy="5886703"/>
           </a:xfrm>
           <a:prstGeom prst="rect">
@@ -4041,7 +4040,7 @@
         </p:nvGrpSpPr>
         <p:grpSpPr>
           <a:xfrm>
-            <a:off x="1060771" y="2389411"/>
+            <a:off x="1023296" y="2329451"/>
             <a:ext cx="10475783" cy="1443866"/>
             <a:chOff x="1140070" y="3914891"/>
             <a:chExt cx="10475783" cy="1443866"/>
@@ -4226,72 +4225,6 @@
 </file>
 
 <file path=ppt/slides/slide3.xml><?xml version="1.0" encoding="utf-8"?>
-<p:sld xmlns:a="http://schemas.openxmlformats.org/drawingml/2006/main" xmlns:r="http://schemas.openxmlformats.org/officeDocument/2006/relationships" xmlns:p="http://schemas.openxmlformats.org/presentationml/2006/main">
-  <p:cSld>
-    <p:spTree>
-      <p:nvGrpSpPr>
-        <p:cNvPr id="1" name=""/>
-        <p:cNvGrpSpPr/>
-        <p:nvPr/>
-      </p:nvGrpSpPr>
-      <p:grpSpPr>
-        <a:xfrm>
-          <a:off x="0" y="0"/>
-          <a:ext cx="0" cy="0"/>
-          <a:chOff x="0" y="0"/>
-          <a:chExt cx="0" cy="0"/>
-        </a:xfrm>
-      </p:grpSpPr>
-      <p:pic>
-        <p:nvPicPr>
-          <p:cNvPr id="3" name="図 2">
-            <a:extLst>
-              <a:ext uri="{FF2B5EF4-FFF2-40B4-BE49-F238E27FC236}">
-                <a16:creationId xmlns:a16="http://schemas.microsoft.com/office/drawing/2014/main" id="{5C381C9E-44F9-423E-8456-C88BF91939F1}"/>
-              </a:ext>
-            </a:extLst>
-          </p:cNvPr>
-          <p:cNvPicPr>
-            <a:picLocks noChangeAspect="1"/>
-          </p:cNvPicPr>
-          <p:nvPr/>
-        </p:nvPicPr>
-        <p:blipFill>
-          <a:blip r:embed="rId2">
-            <a:extLst>
-              <a:ext uri="{28A0092B-C50C-407E-A947-70E740481C1C}">
-                <a14:useLocalDpi xmlns:a14="http://schemas.microsoft.com/office/drawing/2010/main" val="0"/>
-              </a:ext>
-            </a:extLst>
-          </a:blip>
-          <a:stretch>
-            <a:fillRect/>
-          </a:stretch>
-        </p:blipFill>
-        <p:spPr>
-          <a:xfrm>
-            <a:off x="609124" y="639838"/>
-            <a:ext cx="10973751" cy="5578323"/>
-          </a:xfrm>
-          <a:prstGeom prst="rect">
-            <a:avLst/>
-          </a:prstGeom>
-        </p:spPr>
-      </p:pic>
-    </p:spTree>
-    <p:extLst>
-      <p:ext uri="{BB962C8B-B14F-4D97-AF65-F5344CB8AC3E}">
-        <p14:creationId xmlns:p14="http://schemas.microsoft.com/office/powerpoint/2010/main" val="948145079"/>
-      </p:ext>
-    </p:extLst>
-  </p:cSld>
-  <p:clrMapOvr>
-    <a:masterClrMapping/>
-  </p:clrMapOvr>
-</p:sld>
-</file>
-
-<file path=ppt/slides/slide4.xml><?xml version="1.0" encoding="utf-8"?>
 <p:sld xmlns:a="http://schemas.openxmlformats.org/drawingml/2006/main" xmlns:r="http://schemas.openxmlformats.org/officeDocument/2006/relationships" xmlns:p="http://schemas.openxmlformats.org/presentationml/2006/main">
   <p:cSld>
     <p:spTree>

--- a/docs/images/ナレッジグラフ推論チャレンジFIG.pptx
+++ b/docs/images/ナレッジグラフ推論チャレンジFIG.pptx
@@ -3960,6 +3960,55 @@
           </p:spPr>
         </p:pic>
       </p:grpSp>
+      <p:sp>
+        <p:nvSpPr>
+          <p:cNvPr id="3" name="テキスト ボックス 2">
+            <a:extLst>
+              <a:ext uri="{FF2B5EF4-FFF2-40B4-BE49-F238E27FC236}">
+                <a16:creationId xmlns:a16="http://schemas.microsoft.com/office/drawing/2014/main" id="{6CF771D6-BF53-4622-AC8B-A832358AC692}"/>
+              </a:ext>
+            </a:extLst>
+          </p:cNvPr>
+          <p:cNvSpPr txBox="1"/>
+          <p:nvPr/>
+        </p:nvSpPr>
+        <p:spPr>
+          <a:xfrm>
+            <a:off x="1528997" y="5598826"/>
+            <a:ext cx="5795176" cy="646331"/>
+          </a:xfrm>
+          <a:prstGeom prst="rect">
+            <a:avLst/>
+          </a:prstGeom>
+          <a:noFill/>
+        </p:spPr>
+        <p:txBody>
+          <a:bodyPr wrap="none" rtlCol="0">
+            <a:spAutoFit/>
+          </a:bodyPr>
+          <a:lstStyle/>
+          <a:p>
+            <a:r>
+              <a:rPr kumimoji="1" lang="ja-JP" altLang="en-US" dirty="0"/>
+              <a:t>透過画像ロゴの</a:t>
+            </a:r>
+            <a:r>
+              <a:rPr lang="ja-JP" altLang="en-US" dirty="0"/>
+              <a:t>作成に使ったサイト</a:t>
+            </a:r>
+            <a:endParaRPr lang="en-US" altLang="ja-JP" dirty="0"/>
+          </a:p>
+          <a:p>
+            <a:r>
+              <a:rPr lang="en-US" altLang="ja-JP" dirty="0">
+                <a:hlinkClick r:id="rId3"/>
+              </a:rPr>
+              <a:t>https://www.peko-step.com/tool/alphachannel.html</a:t>
+            </a:r>
+            <a:endParaRPr kumimoji="1" lang="ja-JP" altLang="en-US" dirty="0"/>
+          </a:p>
+        </p:txBody>
+      </p:sp>
     </p:spTree>
     <p:extLst>
       <p:ext uri="{BB962C8B-B14F-4D97-AF65-F5344CB8AC3E}">

--- a/docs/images/ナレッジグラフ推論チャレンジFIG.pptx
+++ b/docs/images/ナレッジグラフ推論チャレンジFIG.pptx
@@ -261,7 +261,7 @@
           <a:p>
             <a:fld id="{76AF2857-9BA4-496B-B3CC-A208BB222D84}" type="datetimeFigureOut">
               <a:rPr kumimoji="1" lang="ja-JP" altLang="en-US" smtClean="0"/>
-              <a:t>2019/10/28</a:t>
+              <a:t>2020/5/1</a:t>
             </a:fld>
             <a:endParaRPr kumimoji="1" lang="ja-JP" altLang="en-US"/>
           </a:p>
@@ -491,7 +491,7 @@
           <a:p>
             <a:fld id="{76AF2857-9BA4-496B-B3CC-A208BB222D84}" type="datetimeFigureOut">
               <a:rPr kumimoji="1" lang="ja-JP" altLang="en-US" smtClean="0"/>
-              <a:t>2019/10/28</a:t>
+              <a:t>2020/5/1</a:t>
             </a:fld>
             <a:endParaRPr kumimoji="1" lang="ja-JP" altLang="en-US"/>
           </a:p>
@@ -731,7 +731,7 @@
           <a:p>
             <a:fld id="{76AF2857-9BA4-496B-B3CC-A208BB222D84}" type="datetimeFigureOut">
               <a:rPr kumimoji="1" lang="ja-JP" altLang="en-US" smtClean="0"/>
-              <a:t>2019/10/28</a:t>
+              <a:t>2020/5/1</a:t>
             </a:fld>
             <a:endParaRPr kumimoji="1" lang="ja-JP" altLang="en-US"/>
           </a:p>
@@ -961,7 +961,7 @@
           <a:p>
             <a:fld id="{76AF2857-9BA4-496B-B3CC-A208BB222D84}" type="datetimeFigureOut">
               <a:rPr kumimoji="1" lang="ja-JP" altLang="en-US" smtClean="0"/>
-              <a:t>2019/10/28</a:t>
+              <a:t>2020/5/1</a:t>
             </a:fld>
             <a:endParaRPr kumimoji="1" lang="ja-JP" altLang="en-US"/>
           </a:p>
@@ -1236,7 +1236,7 @@
           <a:p>
             <a:fld id="{76AF2857-9BA4-496B-B3CC-A208BB222D84}" type="datetimeFigureOut">
               <a:rPr kumimoji="1" lang="ja-JP" altLang="en-US" smtClean="0"/>
-              <a:t>2019/10/28</a:t>
+              <a:t>2020/5/1</a:t>
             </a:fld>
             <a:endParaRPr kumimoji="1" lang="ja-JP" altLang="en-US"/>
           </a:p>
@@ -1565,7 +1565,7 @@
           <a:p>
             <a:fld id="{76AF2857-9BA4-496B-B3CC-A208BB222D84}" type="datetimeFigureOut">
               <a:rPr kumimoji="1" lang="ja-JP" altLang="en-US" smtClean="0"/>
-              <a:t>2019/10/28</a:t>
+              <a:t>2020/5/1</a:t>
             </a:fld>
             <a:endParaRPr kumimoji="1" lang="ja-JP" altLang="en-US"/>
           </a:p>
@@ -2041,7 +2041,7 @@
           <a:p>
             <a:fld id="{76AF2857-9BA4-496B-B3CC-A208BB222D84}" type="datetimeFigureOut">
               <a:rPr kumimoji="1" lang="ja-JP" altLang="en-US" smtClean="0"/>
-              <a:t>2019/10/28</a:t>
+              <a:t>2020/5/1</a:t>
             </a:fld>
             <a:endParaRPr kumimoji="1" lang="ja-JP" altLang="en-US"/>
           </a:p>
@@ -2182,7 +2182,7 @@
           <a:p>
             <a:fld id="{76AF2857-9BA4-496B-B3CC-A208BB222D84}" type="datetimeFigureOut">
               <a:rPr kumimoji="1" lang="ja-JP" altLang="en-US" smtClean="0"/>
-              <a:t>2019/10/28</a:t>
+              <a:t>2020/5/1</a:t>
             </a:fld>
             <a:endParaRPr kumimoji="1" lang="ja-JP" altLang="en-US"/>
           </a:p>
@@ -2295,7 +2295,7 @@
           <a:p>
             <a:fld id="{76AF2857-9BA4-496B-B3CC-A208BB222D84}" type="datetimeFigureOut">
               <a:rPr kumimoji="1" lang="ja-JP" altLang="en-US" smtClean="0"/>
-              <a:t>2019/10/28</a:t>
+              <a:t>2020/5/1</a:t>
             </a:fld>
             <a:endParaRPr kumimoji="1" lang="ja-JP" altLang="en-US"/>
           </a:p>
@@ -2638,7 +2638,7 @@
           <a:p>
             <a:fld id="{76AF2857-9BA4-496B-B3CC-A208BB222D84}" type="datetimeFigureOut">
               <a:rPr kumimoji="1" lang="ja-JP" altLang="en-US" smtClean="0"/>
-              <a:t>2019/10/28</a:t>
+              <a:t>2020/5/1</a:t>
             </a:fld>
             <a:endParaRPr kumimoji="1" lang="ja-JP" altLang="en-US"/>
           </a:p>
@@ -2926,7 +2926,7 @@
           <a:p>
             <a:fld id="{76AF2857-9BA4-496B-B3CC-A208BB222D84}" type="datetimeFigureOut">
               <a:rPr kumimoji="1" lang="ja-JP" altLang="en-US" smtClean="0"/>
-              <a:t>2019/10/28</a:t>
+              <a:t>2020/5/1</a:t>
             </a:fld>
             <a:endParaRPr kumimoji="1" lang="ja-JP" altLang="en-US"/>
           </a:p>
@@ -3199,7 +3199,7 @@
           <a:p>
             <a:fld id="{76AF2857-9BA4-496B-B3CC-A208BB222D84}" type="datetimeFigureOut">
               <a:rPr kumimoji="1" lang="ja-JP" altLang="en-US" smtClean="0"/>
-              <a:t>2019/10/28</a:t>
+              <a:t>2020/5/1</a:t>
             </a:fld>
             <a:endParaRPr kumimoji="1" lang="ja-JP" altLang="en-US"/>
           </a:p>
@@ -3724,7 +3724,7 @@
         <p:spPr>
           <a:xfrm>
             <a:off x="2603244" y="609095"/>
-            <a:ext cx="8499250" cy="646331"/>
+            <a:ext cx="8755538" cy="646331"/>
           </a:xfrm>
           <a:prstGeom prst="rect">
             <a:avLst/>
@@ -3743,7 +3743,7 @@
                 </a:solidFill>
                 <a:latin typeface="CMR12"/>
               </a:rPr>
-              <a:t>KGC: </a:t>
+              <a:t>KGRC: </a:t>
             </a:r>
             <a:r>
               <a:rPr lang="en-US" altLang="ja-JP" sz="3600" i="1" dirty="0">
